--- a/docs/Testbed-Design/figures/reThinkTestbed.pptx
+++ b/docs/Testbed-Design/figures/reThinkTestbed.pptx
@@ -7,6 +7,7 @@
   <p:sldIdLst>
     <p:sldId id="257" r:id="rId2"/>
     <p:sldId id="258" r:id="rId3"/>
+    <p:sldId id="259" r:id="rId4"/>
   </p:sldIdLst>
   <p:sldSz cx="9144000" cy="6858000" type="screen4x3"/>
   <p:notesSz cx="6858000" cy="9144000"/>
@@ -289,7 +290,7 @@
           <a:p>
             <a:fld id="{2C59F9AD-AC7D-47D0-978F-DB0960CE5219}" type="datetimeFigureOut">
               <a:rPr lang="en-US" smtClean="0"/>
-              <a:t>1/11/2016</a:t>
+              <a:t>1/12/2016</a:t>
             </a:fld>
             <a:endParaRPr lang="en-US"/>
           </a:p>
@@ -459,7 +460,7 @@
           <a:p>
             <a:fld id="{2C59F9AD-AC7D-47D0-978F-DB0960CE5219}" type="datetimeFigureOut">
               <a:rPr lang="en-US" smtClean="0"/>
-              <a:t>1/11/2016</a:t>
+              <a:t>1/12/2016</a:t>
             </a:fld>
             <a:endParaRPr lang="en-US"/>
           </a:p>
@@ -639,7 +640,7 @@
           <a:p>
             <a:fld id="{2C59F9AD-AC7D-47D0-978F-DB0960CE5219}" type="datetimeFigureOut">
               <a:rPr lang="en-US" smtClean="0"/>
-              <a:t>1/11/2016</a:t>
+              <a:t>1/12/2016</a:t>
             </a:fld>
             <a:endParaRPr lang="en-US"/>
           </a:p>
@@ -809,7 +810,7 @@
           <a:p>
             <a:fld id="{2C59F9AD-AC7D-47D0-978F-DB0960CE5219}" type="datetimeFigureOut">
               <a:rPr lang="en-US" smtClean="0"/>
-              <a:t>1/11/2016</a:t>
+              <a:t>1/12/2016</a:t>
             </a:fld>
             <a:endParaRPr lang="en-US"/>
           </a:p>
@@ -1055,7 +1056,7 @@
           <a:p>
             <a:fld id="{2C59F9AD-AC7D-47D0-978F-DB0960CE5219}" type="datetimeFigureOut">
               <a:rPr lang="en-US" smtClean="0"/>
-              <a:t>1/11/2016</a:t>
+              <a:t>1/12/2016</a:t>
             </a:fld>
             <a:endParaRPr lang="en-US"/>
           </a:p>
@@ -1343,7 +1344,7 @@
           <a:p>
             <a:fld id="{2C59F9AD-AC7D-47D0-978F-DB0960CE5219}" type="datetimeFigureOut">
               <a:rPr lang="en-US" smtClean="0"/>
-              <a:t>1/11/2016</a:t>
+              <a:t>1/12/2016</a:t>
             </a:fld>
             <a:endParaRPr lang="en-US"/>
           </a:p>
@@ -1765,7 +1766,7 @@
           <a:p>
             <a:fld id="{2C59F9AD-AC7D-47D0-978F-DB0960CE5219}" type="datetimeFigureOut">
               <a:rPr lang="en-US" smtClean="0"/>
-              <a:t>1/11/2016</a:t>
+              <a:t>1/12/2016</a:t>
             </a:fld>
             <a:endParaRPr lang="en-US"/>
           </a:p>
@@ -1883,7 +1884,7 @@
           <a:p>
             <a:fld id="{2C59F9AD-AC7D-47D0-978F-DB0960CE5219}" type="datetimeFigureOut">
               <a:rPr lang="en-US" smtClean="0"/>
-              <a:t>1/11/2016</a:t>
+              <a:t>1/12/2016</a:t>
             </a:fld>
             <a:endParaRPr lang="en-US"/>
           </a:p>
@@ -1978,7 +1979,7 @@
           <a:p>
             <a:fld id="{2C59F9AD-AC7D-47D0-978F-DB0960CE5219}" type="datetimeFigureOut">
               <a:rPr lang="en-US" smtClean="0"/>
-              <a:t>1/11/2016</a:t>
+              <a:t>1/12/2016</a:t>
             </a:fld>
             <a:endParaRPr lang="en-US"/>
           </a:p>
@@ -2255,7 +2256,7 @@
           <a:p>
             <a:fld id="{2C59F9AD-AC7D-47D0-978F-DB0960CE5219}" type="datetimeFigureOut">
               <a:rPr lang="en-US" smtClean="0"/>
-              <a:t>1/11/2016</a:t>
+              <a:t>1/12/2016</a:t>
             </a:fld>
             <a:endParaRPr lang="en-US"/>
           </a:p>
@@ -2508,7 +2509,7 @@
           <a:p>
             <a:fld id="{2C59F9AD-AC7D-47D0-978F-DB0960CE5219}" type="datetimeFigureOut">
               <a:rPr lang="en-US" smtClean="0"/>
-              <a:t>1/11/2016</a:t>
+              <a:t>1/12/2016</a:t>
             </a:fld>
             <a:endParaRPr lang="en-US"/>
           </a:p>
@@ -2721,7 +2722,7 @@
           <a:p>
             <a:fld id="{2C59F9AD-AC7D-47D0-978F-DB0960CE5219}" type="datetimeFigureOut">
               <a:rPr lang="en-US" smtClean="0"/>
-              <a:t>1/11/2016</a:t>
+              <a:t>1/12/2016</a:t>
             </a:fld>
             <a:endParaRPr lang="en-US"/>
           </a:p>
@@ -4941,6 +4942,1264 @@
     <p:extLst>
       <p:ext uri="{BB962C8B-B14F-4D97-AF65-F5344CB8AC3E}">
         <p14:creationId xmlns:p14="http://schemas.microsoft.com/office/powerpoint/2010/main" val="1423342936"/>
+      </p:ext>
+    </p:extLst>
+  </p:cSld>
+  <p:clrMapOvr>
+    <a:masterClrMapping/>
+  </p:clrMapOvr>
+</p:sld>
+</file>
+
+<file path=ppt/slides/slide3.xml><?xml version="1.0" encoding="utf-8"?>
+<p:sld xmlns:a="http://schemas.openxmlformats.org/drawingml/2006/main" xmlns:r="http://schemas.openxmlformats.org/officeDocument/2006/relationships" xmlns:p="http://schemas.openxmlformats.org/presentationml/2006/main">
+  <p:cSld>
+    <p:spTree>
+      <p:nvGrpSpPr>
+        <p:cNvPr id="1" name=""/>
+        <p:cNvGrpSpPr/>
+        <p:nvPr/>
+      </p:nvGrpSpPr>
+      <p:grpSpPr>
+        <a:xfrm>
+          <a:off x="0" y="0"/>
+          <a:ext cx="0" cy="0"/>
+          <a:chOff x="0" y="0"/>
+          <a:chExt cx="0" cy="0"/>
+        </a:xfrm>
+      </p:grpSpPr>
+      <p:sp>
+        <p:nvSpPr>
+          <p:cNvPr id="4" name="Rectangle 3"/>
+          <p:cNvSpPr/>
+          <p:nvPr/>
+        </p:nvSpPr>
+        <p:spPr>
+          <a:xfrm>
+            <a:off x="507294" y="1968915"/>
+            <a:ext cx="8169162" cy="3096344"/>
+          </a:xfrm>
+          <a:prstGeom prst="rect">
+            <a:avLst/>
+          </a:prstGeom>
+        </p:spPr>
+        <p:style>
+          <a:lnRef idx="2">
+            <a:schemeClr val="accent1">
+              <a:shade val="50000"/>
+            </a:schemeClr>
+          </a:lnRef>
+          <a:fillRef idx="1">
+            <a:schemeClr val="accent1"/>
+          </a:fillRef>
+          <a:effectRef idx="0">
+            <a:schemeClr val="accent1"/>
+          </a:effectRef>
+          <a:fontRef idx="minor">
+            <a:schemeClr val="lt1"/>
+          </a:fontRef>
+        </p:style>
+        <p:txBody>
+          <a:bodyPr rtlCol="0" anchor="t"/>
+          <a:lstStyle/>
+          <a:p>
+            <a:r>
+              <a:rPr lang="fr-FR" dirty="0" smtClean="0"/>
+              <a:t>p-rethink1 161.106.201.9</a:t>
+            </a:r>
+            <a:endParaRPr lang="en-US" dirty="0"/>
+          </a:p>
+        </p:txBody>
+      </p:sp>
+      <p:sp>
+        <p:nvSpPr>
+          <p:cNvPr id="5" name="Rectangle 4"/>
+          <p:cNvSpPr/>
+          <p:nvPr/>
+        </p:nvSpPr>
+        <p:spPr>
+          <a:xfrm>
+            <a:off x="-5657" y="208475"/>
+            <a:ext cx="2184701" cy="523220"/>
+          </a:xfrm>
+          <a:prstGeom prst="rect">
+            <a:avLst/>
+          </a:prstGeom>
+        </p:spPr>
+        <p:txBody>
+          <a:bodyPr wrap="none">
+            <a:spAutoFit/>
+          </a:bodyPr>
+          <a:lstStyle/>
+          <a:p>
+            <a:r>
+              <a:rPr lang="fr-FR" sz="1400" dirty="0" smtClean="0">
+                <a:hlinkClick r:id="rId2"/>
+              </a:rPr>
+              <a:t>www.rethink.orange-labs.fr</a:t>
+            </a:r>
+            <a:endParaRPr lang="fr-FR" sz="1400" dirty="0" smtClean="0"/>
+          </a:p>
+          <a:p>
+            <a:r>
+              <a:rPr lang="fr-FR" sz="1400" dirty="0"/>
+              <a:t>(</a:t>
+            </a:r>
+            <a:r>
+              <a:rPr lang="fr-FR" sz="1400" dirty="0" smtClean="0"/>
+              <a:t>admin)</a:t>
+            </a:r>
+            <a:endParaRPr lang="en-US" sz="1400" dirty="0"/>
+          </a:p>
+        </p:txBody>
+      </p:sp>
+      <p:cxnSp>
+        <p:nvCxnSpPr>
+          <p:cNvPr id="6" name="Connecteur en arc 5"/>
+          <p:cNvCxnSpPr>
+            <a:stCxn id="5" idx="2"/>
+            <a:endCxn id="7" idx="1"/>
+          </p:cNvCxnSpPr>
+          <p:nvPr/>
+        </p:nvCxnSpPr>
+        <p:spPr>
+          <a:xfrm rot="5400000">
+            <a:off x="-143443" y="1403288"/>
+            <a:ext cx="1901730" cy="558544"/>
+          </a:xfrm>
+          <a:prstGeom prst="curvedConnector4">
+            <a:avLst>
+              <a:gd name="adj1" fmla="val 43374"/>
+              <a:gd name="adj2" fmla="val 140928"/>
+            </a:avLst>
+          </a:prstGeom>
+          <a:ln>
+            <a:solidFill>
+              <a:schemeClr val="tx1"/>
+            </a:solidFill>
+            <a:tailEnd type="arrow"/>
+          </a:ln>
+        </p:spPr>
+        <p:style>
+          <a:lnRef idx="1">
+            <a:schemeClr val="accent1"/>
+          </a:lnRef>
+          <a:fillRef idx="0">
+            <a:schemeClr val="accent1"/>
+          </a:fillRef>
+          <a:effectRef idx="0">
+            <a:schemeClr val="accent1"/>
+          </a:effectRef>
+          <a:fontRef idx="minor">
+            <a:schemeClr val="tx1"/>
+          </a:fontRef>
+        </p:style>
+      </p:cxnSp>
+      <p:sp>
+        <p:nvSpPr>
+          <p:cNvPr id="7" name="Rectangle à coins arrondis 6"/>
+          <p:cNvSpPr/>
+          <p:nvPr/>
+        </p:nvSpPr>
+        <p:spPr>
+          <a:xfrm>
+            <a:off x="528150" y="2381397"/>
+            <a:ext cx="8004290" cy="504056"/>
+          </a:xfrm>
+          <a:prstGeom prst="roundRect">
+            <a:avLst/>
+          </a:prstGeom>
+          <a:solidFill>
+            <a:schemeClr val="tx2">
+              <a:lumMod val="20000"/>
+              <a:lumOff val="80000"/>
+            </a:schemeClr>
+          </a:solidFill>
+          <a:ln>
+            <a:noFill/>
+          </a:ln>
+          <a:effectLst>
+            <a:outerShdw blurRad="44450" dist="27940" dir="5400000" algn="ctr">
+              <a:srgbClr val="000000">
+                <a:alpha val="32000"/>
+              </a:srgbClr>
+            </a:outerShdw>
+          </a:effectLst>
+          <a:scene3d>
+            <a:camera prst="orthographicFront">
+              <a:rot lat="0" lon="0" rev="0"/>
+            </a:camera>
+            <a:lightRig rig="balanced" dir="t">
+              <a:rot lat="0" lon="0" rev="8700000"/>
+            </a:lightRig>
+          </a:scene3d>
+          <a:sp3d>
+            <a:bevelT w="190500" h="38100"/>
+          </a:sp3d>
+        </p:spPr>
+        <p:style>
+          <a:lnRef idx="2">
+            <a:schemeClr val="accent1">
+              <a:shade val="50000"/>
+            </a:schemeClr>
+          </a:lnRef>
+          <a:fillRef idx="1">
+            <a:schemeClr val="accent1"/>
+          </a:fillRef>
+          <a:effectRef idx="0">
+            <a:schemeClr val="accent1"/>
+          </a:effectRef>
+          <a:fontRef idx="minor">
+            <a:schemeClr val="lt1"/>
+          </a:fontRef>
+        </p:style>
+        <p:txBody>
+          <a:bodyPr rtlCol="0" anchor="ctr"/>
+          <a:lstStyle/>
+          <a:p>
+            <a:pPr algn="ctr"/>
+            <a:r>
+              <a:rPr lang="fr-FR" dirty="0" smtClean="0"/>
+              <a:t>reverse-proxy</a:t>
+            </a:r>
+            <a:endParaRPr lang="en-US" dirty="0"/>
+          </a:p>
+        </p:txBody>
+      </p:sp>
+      <p:sp>
+        <p:nvSpPr>
+          <p:cNvPr id="9" name="Rectangle 8"/>
+          <p:cNvSpPr/>
+          <p:nvPr/>
+        </p:nvSpPr>
+        <p:spPr>
+          <a:xfrm>
+            <a:off x="528150" y="2996952"/>
+            <a:ext cx="8004290" cy="1862945"/>
+          </a:xfrm>
+          <a:prstGeom prst="rect">
+            <a:avLst/>
+          </a:prstGeom>
+          <a:solidFill>
+            <a:schemeClr val="accent1">
+              <a:lumMod val="40000"/>
+              <a:lumOff val="60000"/>
+            </a:schemeClr>
+          </a:solidFill>
+        </p:spPr>
+        <p:style>
+          <a:lnRef idx="2">
+            <a:schemeClr val="accent1">
+              <a:shade val="50000"/>
+            </a:schemeClr>
+          </a:lnRef>
+          <a:fillRef idx="1">
+            <a:schemeClr val="accent1"/>
+          </a:fillRef>
+          <a:effectRef idx="0">
+            <a:schemeClr val="accent1"/>
+          </a:effectRef>
+          <a:fontRef idx="minor">
+            <a:schemeClr val="lt1"/>
+          </a:fontRef>
+        </p:style>
+        <p:txBody>
+          <a:bodyPr rtlCol="0" anchor="ctr"/>
+          <a:lstStyle/>
+          <a:p>
+            <a:pPr algn="ctr"/>
+            <a:endParaRPr lang="en-US"/>
+          </a:p>
+        </p:txBody>
+      </p:sp>
+      <p:pic>
+        <p:nvPicPr>
+          <p:cNvPr id="10" name="Picture 2" descr="https://www.docker.com/sites/default/files/container_1.png"/>
+          <p:cNvPicPr>
+            <a:picLocks noChangeAspect="1" noChangeArrowheads="1"/>
+          </p:cNvPicPr>
+          <p:nvPr/>
+        </p:nvPicPr>
+        <p:blipFill>
+          <a:blip r:embed="rId3">
+            <a:extLst>
+              <a:ext uri="{28A0092B-C50C-407E-A947-70E740481C1C}">
+                <a14:useLocalDpi xmlns:a14="http://schemas.microsoft.com/office/drawing/2010/main" val="0"/>
+              </a:ext>
+            </a:extLst>
+          </a:blip>
+          <a:srcRect/>
+          <a:stretch>
+            <a:fillRect/>
+          </a:stretch>
+        </p:blipFill>
+        <p:spPr bwMode="auto">
+          <a:xfrm>
+            <a:off x="362456" y="3814333"/>
+            <a:ext cx="1384071" cy="1126835"/>
+          </a:xfrm>
+          <a:prstGeom prst="rect">
+            <a:avLst/>
+          </a:prstGeom>
+          <a:noFill/>
+          <a:extLst>
+            <a:ext uri="{909E8E84-426E-40DD-AFC4-6F175D3DCCD1}">
+              <a14:hiddenFill xmlns:a14="http://schemas.microsoft.com/office/drawing/2010/main">
+                <a:solidFill>
+                  <a:srgbClr val="FFFFFF"/>
+                </a:solidFill>
+              </a14:hiddenFill>
+            </a:ext>
+          </a:extLst>
+        </p:spPr>
+      </p:pic>
+      <p:pic>
+        <p:nvPicPr>
+          <p:cNvPr id="13" name="Picture 4" descr="https://www.docker.com/sites/all/themes/docker/assets/images/logo.png"/>
+          <p:cNvPicPr>
+            <a:picLocks noChangeAspect="1" noChangeArrowheads="1"/>
+          </p:cNvPicPr>
+          <p:nvPr/>
+        </p:nvPicPr>
+        <p:blipFill>
+          <a:blip r:embed="rId4">
+            <a:extLst>
+              <a:ext uri="{28A0092B-C50C-407E-A947-70E740481C1C}">
+                <a14:useLocalDpi xmlns:a14="http://schemas.microsoft.com/office/drawing/2010/main" val="0"/>
+              </a:ext>
+            </a:extLst>
+          </a:blip>
+          <a:srcRect/>
+          <a:stretch>
+            <a:fillRect/>
+          </a:stretch>
+        </p:blipFill>
+        <p:spPr bwMode="auto">
+          <a:xfrm>
+            <a:off x="512313" y="2996952"/>
+            <a:ext cx="2190321" cy="536198"/>
+          </a:xfrm>
+          <a:prstGeom prst="rect">
+            <a:avLst/>
+          </a:prstGeom>
+          <a:noFill/>
+          <a:extLst>
+            <a:ext uri="{909E8E84-426E-40DD-AFC4-6F175D3DCCD1}">
+              <a14:hiddenFill xmlns:a14="http://schemas.microsoft.com/office/drawing/2010/main">
+                <a:solidFill>
+                  <a:srgbClr val="FFFFFF"/>
+                </a:solidFill>
+              </a14:hiddenFill>
+            </a:ext>
+          </a:extLst>
+        </p:spPr>
+      </p:pic>
+      <p:sp>
+        <p:nvSpPr>
+          <p:cNvPr id="34" name="Rectangle 33"/>
+          <p:cNvSpPr/>
+          <p:nvPr/>
+        </p:nvSpPr>
+        <p:spPr>
+          <a:xfrm>
+            <a:off x="1181967" y="854806"/>
+            <a:ext cx="3409908" cy="523220"/>
+          </a:xfrm>
+          <a:prstGeom prst="rect">
+            <a:avLst/>
+          </a:prstGeom>
+        </p:spPr>
+        <p:txBody>
+          <a:bodyPr wrap="none">
+            <a:spAutoFit/>
+          </a:bodyPr>
+          <a:lstStyle/>
+          <a:p>
+            <a:r>
+              <a:rPr lang="fr-FR" sz="1400" dirty="0" smtClean="0">
+                <a:solidFill>
+                  <a:srgbClr val="0000FF"/>
+                </a:solidFill>
+              </a:rPr>
+              <a:t>powercommunication</a:t>
+            </a:r>
+            <a:r>
+              <a:rPr lang="fr-FR" sz="1400" dirty="0" smtClean="0">
+                <a:solidFill>
+                  <a:srgbClr val="0000FF"/>
+                </a:solidFill>
+              </a:rPr>
+              <a:t>.rethink.orange-labs.fr</a:t>
+            </a:r>
+          </a:p>
+          <a:p>
+            <a:r>
+              <a:rPr lang="fr-FR" sz="1400" dirty="0" smtClean="0"/>
+              <a:t>+ </a:t>
+            </a:r>
+            <a:r>
+              <a:rPr lang="fr-FR" sz="1400" dirty="0" err="1" smtClean="0"/>
+              <a:t>subdomains</a:t>
+            </a:r>
+            <a:endParaRPr lang="en-US" sz="1400" dirty="0"/>
+          </a:p>
+        </p:txBody>
+      </p:sp>
+      <p:cxnSp>
+        <p:nvCxnSpPr>
+          <p:cNvPr id="36" name="Connecteur en arc 35"/>
+          <p:cNvCxnSpPr>
+            <a:stCxn id="34" idx="2"/>
+            <a:endCxn id="48" idx="0"/>
+          </p:cNvCxnSpPr>
+          <p:nvPr/>
+        </p:nvCxnSpPr>
+        <p:spPr>
+          <a:xfrm rot="5400000">
+            <a:off x="1230607" y="2158018"/>
+            <a:ext cx="2436307" cy="876322"/>
+          </a:xfrm>
+          <a:prstGeom prst="curvedConnector3">
+            <a:avLst>
+              <a:gd name="adj1" fmla="val 50000"/>
+            </a:avLst>
+          </a:prstGeom>
+          <a:ln>
+            <a:solidFill>
+              <a:schemeClr val="tx1"/>
+            </a:solidFill>
+            <a:tailEnd type="arrow"/>
+          </a:ln>
+        </p:spPr>
+        <p:style>
+          <a:lnRef idx="1">
+            <a:schemeClr val="accent1"/>
+          </a:lnRef>
+          <a:fillRef idx="0">
+            <a:schemeClr val="accent1"/>
+          </a:fillRef>
+          <a:effectRef idx="0">
+            <a:schemeClr val="accent1"/>
+          </a:effectRef>
+          <a:fontRef idx="minor">
+            <a:schemeClr val="tx1"/>
+          </a:fontRef>
+        </p:style>
+      </p:cxnSp>
+      <p:sp>
+        <p:nvSpPr>
+          <p:cNvPr id="42" name="Rectangle 41"/>
+          <p:cNvSpPr/>
+          <p:nvPr/>
+        </p:nvSpPr>
+        <p:spPr>
+          <a:xfrm>
+            <a:off x="570965" y="3870311"/>
+            <a:ext cx="976697" cy="830997"/>
+          </a:xfrm>
+          <a:prstGeom prst="rect">
+            <a:avLst/>
+          </a:prstGeom>
+        </p:spPr>
+        <p:txBody>
+          <a:bodyPr wrap="square">
+            <a:spAutoFit/>
+          </a:bodyPr>
+          <a:lstStyle/>
+          <a:p>
+            <a:r>
+              <a:rPr lang="fr-FR" sz="1600" dirty="0" err="1" smtClean="0">
+                <a:solidFill>
+                  <a:srgbClr val="0000FF"/>
+                </a:solidFill>
+              </a:rPr>
+              <a:t>node</a:t>
+            </a:r>
+            <a:r>
+              <a:rPr lang="fr-FR" sz="1600" dirty="0" smtClean="0">
+                <a:solidFill>
+                  <a:srgbClr val="0000FF"/>
+                </a:solidFill>
+              </a:rPr>
+              <a:t>.</a:t>
+            </a:r>
+          </a:p>
+          <a:p>
+            <a:r>
+              <a:rPr lang="fr-FR" sz="1600" dirty="0" smtClean="0"/>
+              <a:t>Node.js </a:t>
+            </a:r>
+            <a:r>
+              <a:rPr lang="fr-FR" sz="1600" dirty="0" err="1" smtClean="0"/>
+              <a:t>runtime</a:t>
+            </a:r>
+            <a:endParaRPr lang="fr-FR" sz="1600" dirty="0"/>
+          </a:p>
+        </p:txBody>
+      </p:sp>
+      <p:pic>
+        <p:nvPicPr>
+          <p:cNvPr id="48" name="Picture 2" descr="https://www.docker.com/sites/default/files/container_1.png"/>
+          <p:cNvPicPr>
+            <a:picLocks noChangeAspect="1" noChangeArrowheads="1"/>
+          </p:cNvPicPr>
+          <p:nvPr/>
+        </p:nvPicPr>
+        <p:blipFill>
+          <a:blip r:embed="rId3">
+            <a:extLst>
+              <a:ext uri="{28A0092B-C50C-407E-A947-70E740481C1C}">
+                <a14:useLocalDpi xmlns:a14="http://schemas.microsoft.com/office/drawing/2010/main" val="0"/>
+              </a:ext>
+            </a:extLst>
+          </a:blip>
+          <a:srcRect/>
+          <a:stretch>
+            <a:fillRect/>
+          </a:stretch>
+        </p:blipFill>
+        <p:spPr bwMode="auto">
+          <a:xfrm>
+            <a:off x="1318563" y="3814333"/>
+            <a:ext cx="1384071" cy="1126835"/>
+          </a:xfrm>
+          <a:prstGeom prst="rect">
+            <a:avLst/>
+          </a:prstGeom>
+          <a:noFill/>
+          <a:extLst>
+            <a:ext uri="{909E8E84-426E-40DD-AFC4-6F175D3DCCD1}">
+              <a14:hiddenFill xmlns:a14="http://schemas.microsoft.com/office/drawing/2010/main">
+                <a:solidFill>
+                  <a:srgbClr val="FFFFFF"/>
+                </a:solidFill>
+              </a14:hiddenFill>
+            </a:ext>
+          </a:extLst>
+        </p:spPr>
+      </p:pic>
+      <p:sp>
+        <p:nvSpPr>
+          <p:cNvPr id="50" name="Rectangle 49"/>
+          <p:cNvSpPr/>
+          <p:nvPr/>
+        </p:nvSpPr>
+        <p:spPr>
+          <a:xfrm>
+            <a:off x="1571942" y="3836717"/>
+            <a:ext cx="976697" cy="830997"/>
+          </a:xfrm>
+          <a:prstGeom prst="rect">
+            <a:avLst/>
+          </a:prstGeom>
+        </p:spPr>
+        <p:txBody>
+          <a:bodyPr wrap="square">
+            <a:spAutoFit/>
+          </a:bodyPr>
+          <a:lstStyle/>
+          <a:p>
+            <a:r>
+              <a:rPr lang="fr-FR" sz="1600" dirty="0" err="1" smtClean="0">
+                <a:solidFill>
+                  <a:srgbClr val="0000FF"/>
+                </a:solidFill>
+              </a:rPr>
+              <a:t>registry</a:t>
+            </a:r>
+            <a:r>
+              <a:rPr lang="fr-FR" sz="1600" dirty="0" smtClean="0">
+                <a:solidFill>
+                  <a:srgbClr val="0000FF"/>
+                </a:solidFill>
+              </a:rPr>
+              <a:t>.</a:t>
+            </a:r>
+          </a:p>
+          <a:p>
+            <a:r>
+              <a:rPr lang="fr-FR" sz="1600" dirty="0" smtClean="0"/>
+              <a:t>Domain </a:t>
+            </a:r>
+            <a:r>
+              <a:rPr lang="fr-FR" sz="1600" dirty="0" err="1" smtClean="0"/>
+              <a:t>registry</a:t>
+            </a:r>
+            <a:endParaRPr lang="fr-FR" sz="1600" dirty="0"/>
+          </a:p>
+        </p:txBody>
+      </p:sp>
+      <p:cxnSp>
+        <p:nvCxnSpPr>
+          <p:cNvPr id="51" name="Connecteur en arc 50"/>
+          <p:cNvCxnSpPr>
+            <a:stCxn id="34" idx="2"/>
+            <a:endCxn id="52" idx="0"/>
+          </p:cNvCxnSpPr>
+          <p:nvPr/>
+        </p:nvCxnSpPr>
+        <p:spPr>
+          <a:xfrm rot="16200000" flipH="1">
+            <a:off x="1709402" y="2555544"/>
+            <a:ext cx="2436307" cy="81269"/>
+          </a:xfrm>
+          <a:prstGeom prst="curvedConnector3">
+            <a:avLst>
+              <a:gd name="adj1" fmla="val 50000"/>
+            </a:avLst>
+          </a:prstGeom>
+          <a:ln>
+            <a:solidFill>
+              <a:schemeClr val="tx1"/>
+            </a:solidFill>
+            <a:tailEnd type="arrow"/>
+          </a:ln>
+        </p:spPr>
+        <p:style>
+          <a:lnRef idx="1">
+            <a:schemeClr val="accent1"/>
+          </a:lnRef>
+          <a:fillRef idx="0">
+            <a:schemeClr val="accent1"/>
+          </a:fillRef>
+          <a:effectRef idx="0">
+            <a:schemeClr val="accent1"/>
+          </a:effectRef>
+          <a:fontRef idx="minor">
+            <a:schemeClr val="tx1"/>
+          </a:fontRef>
+        </p:style>
+      </p:cxnSp>
+      <p:pic>
+        <p:nvPicPr>
+          <p:cNvPr id="52" name="Picture 2" descr="https://www.docker.com/sites/default/files/container_1.png"/>
+          <p:cNvPicPr>
+            <a:picLocks noChangeAspect="1" noChangeArrowheads="1"/>
+          </p:cNvPicPr>
+          <p:nvPr/>
+        </p:nvPicPr>
+        <p:blipFill>
+          <a:blip r:embed="rId3">
+            <a:extLst>
+              <a:ext uri="{28A0092B-C50C-407E-A947-70E740481C1C}">
+                <a14:useLocalDpi xmlns:a14="http://schemas.microsoft.com/office/drawing/2010/main" val="0"/>
+              </a:ext>
+            </a:extLst>
+          </a:blip>
+          <a:srcRect/>
+          <a:stretch>
+            <a:fillRect/>
+          </a:stretch>
+        </p:blipFill>
+        <p:spPr bwMode="auto">
+          <a:xfrm>
+            <a:off x="2276154" y="3814333"/>
+            <a:ext cx="1384071" cy="1126835"/>
+          </a:xfrm>
+          <a:prstGeom prst="rect">
+            <a:avLst/>
+          </a:prstGeom>
+          <a:noFill/>
+          <a:extLst>
+            <a:ext uri="{909E8E84-426E-40DD-AFC4-6F175D3DCCD1}">
+              <a14:hiddenFill xmlns:a14="http://schemas.microsoft.com/office/drawing/2010/main">
+                <a:solidFill>
+                  <a:srgbClr val="FFFFFF"/>
+                </a:solidFill>
+              </a14:hiddenFill>
+            </a:ext>
+          </a:extLst>
+        </p:spPr>
+      </p:pic>
+      <p:sp>
+        <p:nvSpPr>
+          <p:cNvPr id="53" name="Rectangle 52"/>
+          <p:cNvSpPr/>
+          <p:nvPr/>
+        </p:nvSpPr>
+        <p:spPr>
+          <a:xfrm>
+            <a:off x="2483768" y="3836717"/>
+            <a:ext cx="1069829" cy="830997"/>
+          </a:xfrm>
+          <a:prstGeom prst="rect">
+            <a:avLst/>
+          </a:prstGeom>
+        </p:spPr>
+        <p:txBody>
+          <a:bodyPr wrap="square">
+            <a:spAutoFit/>
+          </a:bodyPr>
+          <a:lstStyle/>
+          <a:p>
+            <a:r>
+              <a:rPr lang="fr-FR" sz="1600" dirty="0" smtClean="0">
+                <a:solidFill>
+                  <a:srgbClr val="0000FF"/>
+                </a:solidFill>
+              </a:rPr>
+              <a:t>catalogue.</a:t>
+            </a:r>
+          </a:p>
+          <a:p>
+            <a:r>
+              <a:rPr lang="fr-FR" sz="1600" dirty="0" err="1" smtClean="0"/>
+              <a:t>PwrCom</a:t>
+            </a:r>
+            <a:r>
+              <a:rPr lang="fr-FR" sz="1600" dirty="0" smtClean="0"/>
+              <a:t> catalogue</a:t>
+            </a:r>
+            <a:endParaRPr lang="fr-FR" sz="1600" dirty="0"/>
+          </a:p>
+        </p:txBody>
+      </p:sp>
+      <p:cxnSp>
+        <p:nvCxnSpPr>
+          <p:cNvPr id="55" name="Connecteur en arc 54"/>
+          <p:cNvCxnSpPr>
+            <a:stCxn id="34" idx="2"/>
+            <a:endCxn id="10" idx="0"/>
+          </p:cNvCxnSpPr>
+          <p:nvPr/>
+        </p:nvCxnSpPr>
+        <p:spPr>
+          <a:xfrm rot="5400000">
+            <a:off x="752554" y="1679965"/>
+            <a:ext cx="2436307" cy="1832429"/>
+          </a:xfrm>
+          <a:prstGeom prst="curvedConnector3">
+            <a:avLst>
+              <a:gd name="adj1" fmla="val 50000"/>
+            </a:avLst>
+          </a:prstGeom>
+          <a:ln>
+            <a:solidFill>
+              <a:schemeClr val="tx1"/>
+            </a:solidFill>
+            <a:tailEnd type="arrow"/>
+          </a:ln>
+        </p:spPr>
+        <p:style>
+          <a:lnRef idx="1">
+            <a:schemeClr val="accent1"/>
+          </a:lnRef>
+          <a:fillRef idx="0">
+            <a:schemeClr val="accent1"/>
+          </a:fillRef>
+          <a:effectRef idx="0">
+            <a:schemeClr val="accent1"/>
+          </a:effectRef>
+          <a:fontRef idx="minor">
+            <a:schemeClr val="tx1"/>
+          </a:fontRef>
+        </p:style>
+      </p:cxnSp>
+      <p:pic>
+        <p:nvPicPr>
+          <p:cNvPr id="62" name="Picture 2" descr="https://www.docker.com/sites/default/files/container_1.png"/>
+          <p:cNvPicPr>
+            <a:picLocks noChangeAspect="1" noChangeArrowheads="1"/>
+          </p:cNvPicPr>
+          <p:nvPr/>
+        </p:nvPicPr>
+        <p:blipFill>
+          <a:blip r:embed="rId3">
+            <a:extLst>
+              <a:ext uri="{28A0092B-C50C-407E-A947-70E740481C1C}">
+                <a14:useLocalDpi xmlns:a14="http://schemas.microsoft.com/office/drawing/2010/main" val="0"/>
+              </a:ext>
+            </a:extLst>
+          </a:blip>
+          <a:srcRect/>
+          <a:stretch>
+            <a:fillRect/>
+          </a:stretch>
+        </p:blipFill>
+        <p:spPr bwMode="auto">
+          <a:xfrm>
+            <a:off x="3300219" y="3792293"/>
+            <a:ext cx="1384071" cy="1126835"/>
+          </a:xfrm>
+          <a:prstGeom prst="rect">
+            <a:avLst/>
+          </a:prstGeom>
+          <a:noFill/>
+          <a:extLst>
+            <a:ext uri="{909E8E84-426E-40DD-AFC4-6F175D3DCCD1}">
+              <a14:hiddenFill xmlns:a14="http://schemas.microsoft.com/office/drawing/2010/main">
+                <a:solidFill>
+                  <a:srgbClr val="FFFFFF"/>
+                </a:solidFill>
+              </a14:hiddenFill>
+            </a:ext>
+          </a:extLst>
+        </p:spPr>
+      </p:pic>
+      <p:sp>
+        <p:nvSpPr>
+          <p:cNvPr id="63" name="Rectangle 62"/>
+          <p:cNvSpPr/>
+          <p:nvPr/>
+        </p:nvSpPr>
+        <p:spPr>
+          <a:xfrm>
+            <a:off x="3553597" y="3870311"/>
+            <a:ext cx="976697" cy="830997"/>
+          </a:xfrm>
+          <a:prstGeom prst="rect">
+            <a:avLst/>
+          </a:prstGeom>
+        </p:spPr>
+        <p:txBody>
+          <a:bodyPr wrap="square">
+            <a:spAutoFit/>
+          </a:bodyPr>
+          <a:lstStyle/>
+          <a:p>
+            <a:r>
+              <a:rPr lang="fr-FR" sz="1600" dirty="0" err="1" smtClean="0"/>
+              <a:t>EnergyQ</a:t>
+            </a:r>
+            <a:endParaRPr lang="fr-FR" sz="1600" dirty="0" smtClean="0"/>
+          </a:p>
+          <a:p>
+            <a:r>
+              <a:rPr lang="fr-FR" sz="1600" dirty="0" err="1" smtClean="0"/>
+              <a:t>IdP</a:t>
+            </a:r>
+            <a:endParaRPr lang="fr-FR" sz="1600" dirty="0" smtClean="0"/>
+          </a:p>
+          <a:p>
+            <a:r>
+              <a:rPr lang="fr-FR" sz="1600" dirty="0" smtClean="0"/>
+              <a:t>(</a:t>
+            </a:r>
+            <a:r>
+              <a:rPr lang="fr-FR" sz="1600" dirty="0" err="1" smtClean="0"/>
+              <a:t>NodeJS</a:t>
+            </a:r>
+            <a:r>
+              <a:rPr lang="fr-FR" sz="1600" dirty="0" smtClean="0"/>
+              <a:t>)</a:t>
+            </a:r>
+            <a:endParaRPr lang="fr-FR" sz="1600" dirty="0"/>
+          </a:p>
+        </p:txBody>
+      </p:sp>
+      <p:sp>
+        <p:nvSpPr>
+          <p:cNvPr id="68" name="Rectangle 67"/>
+          <p:cNvSpPr/>
+          <p:nvPr/>
+        </p:nvSpPr>
+        <p:spPr>
+          <a:xfrm>
+            <a:off x="4853069" y="1599027"/>
+            <a:ext cx="2295300" cy="307777"/>
+          </a:xfrm>
+          <a:prstGeom prst="rect">
+            <a:avLst/>
+          </a:prstGeom>
+        </p:spPr>
+        <p:txBody>
+          <a:bodyPr wrap="square">
+            <a:spAutoFit/>
+          </a:bodyPr>
+          <a:lstStyle/>
+          <a:p>
+            <a:r>
+              <a:rPr lang="fr-FR" sz="1400" dirty="0" smtClean="0">
+                <a:solidFill>
+                  <a:srgbClr val="0000FF"/>
+                </a:solidFill>
+              </a:rPr>
+              <a:t>hydev</a:t>
+            </a:r>
+            <a:r>
+              <a:rPr lang="fr-FR" sz="1400" dirty="0" smtClean="0">
+                <a:solidFill>
+                  <a:srgbClr val="0000FF"/>
+                </a:solidFill>
+              </a:rPr>
+              <a:t>.rethink.orange-labs.fr</a:t>
+            </a:r>
+          </a:p>
+        </p:txBody>
+      </p:sp>
+      <p:cxnSp>
+        <p:nvCxnSpPr>
+          <p:cNvPr id="76" name="Connecteur en arc 75"/>
+          <p:cNvCxnSpPr>
+            <a:stCxn id="95" idx="2"/>
+            <a:endCxn id="62" idx="0"/>
+          </p:cNvCxnSpPr>
+          <p:nvPr/>
+        </p:nvCxnSpPr>
+        <p:spPr>
+          <a:xfrm rot="5400000">
+            <a:off x="3241640" y="2349643"/>
+            <a:ext cx="2193266" cy="692035"/>
+          </a:xfrm>
+          <a:prstGeom prst="curvedConnector3">
+            <a:avLst>
+              <a:gd name="adj1" fmla="val 50000"/>
+            </a:avLst>
+          </a:prstGeom>
+          <a:ln>
+            <a:solidFill>
+              <a:schemeClr val="tx1"/>
+            </a:solidFill>
+            <a:tailEnd type="arrow"/>
+          </a:ln>
+        </p:spPr>
+        <p:style>
+          <a:lnRef idx="1">
+            <a:schemeClr val="accent1"/>
+          </a:lnRef>
+          <a:fillRef idx="0">
+            <a:schemeClr val="accent1"/>
+          </a:fillRef>
+          <a:effectRef idx="0">
+            <a:schemeClr val="accent1"/>
+          </a:effectRef>
+          <a:fontRef idx="minor">
+            <a:schemeClr val="tx1"/>
+          </a:fontRef>
+        </p:style>
+      </p:cxnSp>
+      <p:pic>
+        <p:nvPicPr>
+          <p:cNvPr id="78" name="Picture 2" descr="https://www.docker.com/sites/default/files/container_1.png"/>
+          <p:cNvPicPr>
+            <a:picLocks noChangeAspect="1" noChangeArrowheads="1"/>
+          </p:cNvPicPr>
+          <p:nvPr/>
+        </p:nvPicPr>
+        <p:blipFill>
+          <a:blip r:embed="rId3">
+            <a:extLst>
+              <a:ext uri="{28A0092B-C50C-407E-A947-70E740481C1C}">
+                <a14:useLocalDpi xmlns:a14="http://schemas.microsoft.com/office/drawing/2010/main" val="0"/>
+              </a:ext>
+            </a:extLst>
+          </a:blip>
+          <a:srcRect/>
+          <a:stretch>
+            <a:fillRect/>
+          </a:stretch>
+        </p:blipFill>
+        <p:spPr bwMode="auto">
+          <a:xfrm>
+            <a:off x="7148369" y="3789040"/>
+            <a:ext cx="1384071" cy="1126835"/>
+          </a:xfrm>
+          <a:prstGeom prst="rect">
+            <a:avLst/>
+          </a:prstGeom>
+          <a:noFill/>
+          <a:extLst>
+            <a:ext uri="{909E8E84-426E-40DD-AFC4-6F175D3DCCD1}">
+              <a14:hiddenFill xmlns:a14="http://schemas.microsoft.com/office/drawing/2010/main">
+                <a:solidFill>
+                  <a:srgbClr val="FFFFFF"/>
+                </a:solidFill>
+              </a14:hiddenFill>
+            </a:ext>
+          </a:extLst>
+        </p:spPr>
+      </p:pic>
+      <p:sp>
+        <p:nvSpPr>
+          <p:cNvPr id="79" name="Rectangle 78"/>
+          <p:cNvSpPr/>
+          <p:nvPr/>
+        </p:nvSpPr>
+        <p:spPr>
+          <a:xfrm>
+            <a:off x="7401747" y="3867058"/>
+            <a:ext cx="976697" cy="830997"/>
+          </a:xfrm>
+          <a:prstGeom prst="rect">
+            <a:avLst/>
+          </a:prstGeom>
+        </p:spPr>
+        <p:txBody>
+          <a:bodyPr wrap="square">
+            <a:spAutoFit/>
+          </a:bodyPr>
+          <a:lstStyle/>
+          <a:p>
+            <a:r>
+              <a:rPr lang="fr-FR" sz="1600" dirty="0" smtClean="0"/>
+              <a:t>MCU</a:t>
+            </a:r>
+          </a:p>
+          <a:p>
+            <a:r>
+              <a:rPr lang="fr-FR" sz="1600" dirty="0" smtClean="0"/>
+              <a:t>(to </a:t>
+            </a:r>
+            <a:r>
+              <a:rPr lang="fr-FR" sz="1600" dirty="0" err="1" smtClean="0"/>
+              <a:t>be</a:t>
+            </a:r>
+            <a:r>
+              <a:rPr lang="fr-FR" sz="1600" dirty="0" smtClean="0"/>
+              <a:t> </a:t>
+            </a:r>
+            <a:r>
+              <a:rPr lang="fr-FR" sz="1600" dirty="0" err="1" smtClean="0"/>
+              <a:t>defined</a:t>
+            </a:r>
+            <a:r>
+              <a:rPr lang="fr-FR" sz="1600" dirty="0" smtClean="0"/>
+              <a:t>)</a:t>
+            </a:r>
+            <a:endParaRPr lang="fr-FR" sz="1600" dirty="0"/>
+          </a:p>
+        </p:txBody>
+      </p:sp>
+      <p:sp>
+        <p:nvSpPr>
+          <p:cNvPr id="80" name="Rectangle 79"/>
+          <p:cNvSpPr/>
+          <p:nvPr/>
+        </p:nvSpPr>
+        <p:spPr>
+          <a:xfrm>
+            <a:off x="5646463" y="828474"/>
+            <a:ext cx="3168352" cy="307777"/>
+          </a:xfrm>
+          <a:prstGeom prst="rect">
+            <a:avLst/>
+          </a:prstGeom>
+        </p:spPr>
+        <p:txBody>
+          <a:bodyPr wrap="square">
+            <a:spAutoFit/>
+          </a:bodyPr>
+          <a:lstStyle/>
+          <a:p>
+            <a:r>
+              <a:rPr lang="fr-FR" sz="1400" dirty="0" smtClean="0">
+                <a:solidFill>
+                  <a:srgbClr val="0000FF"/>
+                </a:solidFill>
+              </a:rPr>
+              <a:t>mcu</a:t>
+            </a:r>
+            <a:r>
+              <a:rPr lang="fr-FR" sz="1400" dirty="0" smtClean="0">
+                <a:solidFill>
+                  <a:srgbClr val="0000FF"/>
+                </a:solidFill>
+              </a:rPr>
+              <a:t>.pwrcom.rethink.orange-labs.fr</a:t>
+            </a:r>
+          </a:p>
+        </p:txBody>
+      </p:sp>
+      <p:cxnSp>
+        <p:nvCxnSpPr>
+          <p:cNvPr id="81" name="Connecteur en arc 80"/>
+          <p:cNvCxnSpPr>
+            <a:stCxn id="80" idx="2"/>
+            <a:endCxn id="78" idx="0"/>
+          </p:cNvCxnSpPr>
+          <p:nvPr/>
+        </p:nvCxnSpPr>
+        <p:spPr>
+          <a:xfrm rot="16200000" flipH="1">
+            <a:off x="6209128" y="2157762"/>
+            <a:ext cx="2652789" cy="609766"/>
+          </a:xfrm>
+          <a:prstGeom prst="curvedConnector3">
+            <a:avLst>
+              <a:gd name="adj1" fmla="val 50000"/>
+            </a:avLst>
+          </a:prstGeom>
+          <a:ln>
+            <a:solidFill>
+              <a:schemeClr val="tx1"/>
+            </a:solidFill>
+            <a:tailEnd type="arrow"/>
+          </a:ln>
+        </p:spPr>
+        <p:style>
+          <a:lnRef idx="1">
+            <a:schemeClr val="accent1"/>
+          </a:lnRef>
+          <a:fillRef idx="0">
+            <a:schemeClr val="accent1"/>
+          </a:fillRef>
+          <a:effectRef idx="0">
+            <a:schemeClr val="accent1"/>
+          </a:effectRef>
+          <a:fontRef idx="minor">
+            <a:schemeClr val="tx1"/>
+          </a:fontRef>
+        </p:style>
+      </p:cxnSp>
+      <p:pic>
+        <p:nvPicPr>
+          <p:cNvPr id="90" name="Picture 2" descr="https://www.docker.com/sites/default/files/container_1.png"/>
+          <p:cNvPicPr>
+            <a:picLocks noChangeAspect="1" noChangeArrowheads="1"/>
+          </p:cNvPicPr>
+          <p:nvPr/>
+        </p:nvPicPr>
+        <p:blipFill>
+          <a:blip r:embed="rId3">
+            <a:extLst>
+              <a:ext uri="{28A0092B-C50C-407E-A947-70E740481C1C}">
+                <a14:useLocalDpi xmlns:a14="http://schemas.microsoft.com/office/drawing/2010/main" val="0"/>
+              </a:ext>
+            </a:extLst>
+          </a:blip>
+          <a:srcRect/>
+          <a:stretch>
+            <a:fillRect/>
+          </a:stretch>
+        </p:blipFill>
+        <p:spPr bwMode="auto">
+          <a:xfrm>
+            <a:off x="4954427" y="3761952"/>
+            <a:ext cx="1384071" cy="1126835"/>
+          </a:xfrm>
+          <a:prstGeom prst="rect">
+            <a:avLst/>
+          </a:prstGeom>
+          <a:noFill/>
+          <a:extLst>
+            <a:ext uri="{909E8E84-426E-40DD-AFC4-6F175D3DCCD1}">
+              <a14:hiddenFill xmlns:a14="http://schemas.microsoft.com/office/drawing/2010/main">
+                <a:solidFill>
+                  <a:srgbClr val="FFFFFF"/>
+                </a:solidFill>
+              </a14:hiddenFill>
+            </a:ext>
+          </a:extLst>
+        </p:spPr>
+      </p:pic>
+      <p:sp>
+        <p:nvSpPr>
+          <p:cNvPr id="91" name="Rectangle 90"/>
+          <p:cNvSpPr/>
+          <p:nvPr/>
+        </p:nvSpPr>
+        <p:spPr>
+          <a:xfrm>
+            <a:off x="5207805" y="3839970"/>
+            <a:ext cx="976697" cy="584775"/>
+          </a:xfrm>
+          <a:prstGeom prst="rect">
+            <a:avLst/>
+          </a:prstGeom>
+        </p:spPr>
+        <p:txBody>
+          <a:bodyPr wrap="square">
+            <a:spAutoFit/>
+          </a:bodyPr>
+          <a:lstStyle/>
+          <a:p>
+            <a:r>
+              <a:rPr lang="fr-FR" sz="1600" dirty="0" smtClean="0"/>
+              <a:t>Global </a:t>
+            </a:r>
+            <a:r>
+              <a:rPr lang="fr-FR" sz="1600" dirty="0" err="1" smtClean="0"/>
+              <a:t>Registry</a:t>
+            </a:r>
+            <a:endParaRPr lang="fr-FR" sz="1600" dirty="0"/>
+          </a:p>
+        </p:txBody>
+      </p:sp>
+      <p:sp>
+        <p:nvSpPr>
+          <p:cNvPr id="95" name="Rectangle 94"/>
+          <p:cNvSpPr/>
+          <p:nvPr/>
+        </p:nvSpPr>
+        <p:spPr>
+          <a:xfrm>
+            <a:off x="3100114" y="1291250"/>
+            <a:ext cx="3168352" cy="307777"/>
+          </a:xfrm>
+          <a:prstGeom prst="rect">
+            <a:avLst/>
+          </a:prstGeom>
+        </p:spPr>
+        <p:txBody>
+          <a:bodyPr wrap="square">
+            <a:spAutoFit/>
+          </a:bodyPr>
+          <a:lstStyle/>
+          <a:p>
+            <a:r>
+              <a:rPr lang="fr-FR" sz="1400" dirty="0" smtClean="0">
+                <a:solidFill>
+                  <a:srgbClr val="0000FF"/>
+                </a:solidFill>
+              </a:rPr>
+              <a:t>energyq</a:t>
+            </a:r>
+            <a:r>
+              <a:rPr lang="fr-FR" sz="1400" dirty="0" smtClean="0">
+                <a:solidFill>
+                  <a:srgbClr val="0000FF"/>
+                </a:solidFill>
+              </a:rPr>
+              <a:t>.rethink.orange-labs.fr</a:t>
+            </a:r>
+          </a:p>
+        </p:txBody>
+      </p:sp>
+      <p:cxnSp>
+        <p:nvCxnSpPr>
+          <p:cNvPr id="97" name="Connecteur en arc 96"/>
+          <p:cNvCxnSpPr>
+            <a:stCxn id="68" idx="2"/>
+            <a:endCxn id="90" idx="0"/>
+          </p:cNvCxnSpPr>
+          <p:nvPr/>
+        </p:nvCxnSpPr>
+        <p:spPr>
+          <a:xfrm rot="5400000">
+            <a:off x="4896017" y="2657250"/>
+            <a:ext cx="1855148" cy="354256"/>
+          </a:xfrm>
+          <a:prstGeom prst="curvedConnector3">
+            <a:avLst>
+              <a:gd name="adj1" fmla="val 50000"/>
+            </a:avLst>
+          </a:prstGeom>
+          <a:ln>
+            <a:solidFill>
+              <a:schemeClr val="tx1"/>
+            </a:solidFill>
+            <a:tailEnd type="arrow"/>
+          </a:ln>
+        </p:spPr>
+        <p:style>
+          <a:lnRef idx="1">
+            <a:schemeClr val="accent1"/>
+          </a:lnRef>
+          <a:fillRef idx="0">
+            <a:schemeClr val="accent1"/>
+          </a:fillRef>
+          <a:effectRef idx="0">
+            <a:schemeClr val="accent1"/>
+          </a:effectRef>
+          <a:fontRef idx="minor">
+            <a:schemeClr val="tx1"/>
+          </a:fontRef>
+        </p:style>
+      </p:cxnSp>
+    </p:spTree>
+    <p:extLst>
+      <p:ext uri="{BB962C8B-B14F-4D97-AF65-F5344CB8AC3E}">
+        <p14:creationId xmlns:p14="http://schemas.microsoft.com/office/powerpoint/2010/main" val="2580360701"/>
       </p:ext>
     </p:extLst>
   </p:cSld>
